--- a/intro-to-dash.pptx
+++ b/intro-to-dash.pptx
@@ -9,6 +9,7 @@
     <p:sldId id="257" r:id="rId3"/>
     <p:sldId id="258" r:id="rId4"/>
     <p:sldId id="259" r:id="rId5"/>
+    <p:sldId id="260" r:id="rId6"/>
   </p:sldIdLst>
   <p:sldSz cx="12192000" cy="6858000"/>
   <p:notesSz cx="6858000" cy="9144000"/>
@@ -7188,7 +7189,7 @@
         <p:spPr/>
         <p:txBody>
           <a:bodyPr>
-            <a:normAutofit fontScale="92500" lnSpcReduction="20000"/>
+            <a:normAutofit fontScale="85000" lnSpcReduction="20000"/>
           </a:bodyPr>
           <a:lstStyle/>
           <a:p>
@@ -7228,7 +7229,7 @@
             <a:pPr lvl="2"/>
             <a:r>
               <a:rPr lang="en-US" dirty="0"/>
-              <a:t>Testing devices and test framework with </a:t>
+              <a:t>Testing devices with test scripts and building test framework with </a:t>
             </a:r>
             <a:r>
               <a:rPr lang="en-US" dirty="0" err="1"/>
@@ -7282,6 +7283,15 @@
             <a:r>
               <a:rPr lang="en-US" dirty="0"/>
               <a:t>Data Science!</a:t>
+            </a:r>
+          </a:p>
+          <a:p>
+            <a:pPr marL="0" indent="0">
+              <a:buNone/>
+            </a:pPr>
+            <a:r>
+              <a:rPr lang="en-US" dirty="0"/>
+              <a:t>https://github.com/jramirez857</a:t>
             </a:r>
           </a:p>
           <a:p>
@@ -7468,6 +7478,64 @@
     <p:extLst>
       <p:ext uri="{BB962C8B-B14F-4D97-AF65-F5344CB8AC3E}">
         <p14:creationId xmlns:p14="http://schemas.microsoft.com/office/powerpoint/2010/main" val="1986431676"/>
+      </p:ext>
+    </p:extLst>
+  </p:cSld>
+  <p:clrMapOvr>
+    <a:masterClrMapping/>
+  </p:clrMapOvr>
+</p:sld>
+</file>
+
+<file path=ppt/slides/slide5.xml><?xml version="1.0" encoding="utf-8"?>
+<p:sld xmlns:a="http://schemas.openxmlformats.org/drawingml/2006/main" xmlns:r="http://schemas.openxmlformats.org/officeDocument/2006/relationships" xmlns:p="http://schemas.openxmlformats.org/presentationml/2006/main">
+  <p:cSld>
+    <p:spTree>
+      <p:nvGrpSpPr>
+        <p:cNvPr id="1" name=""/>
+        <p:cNvGrpSpPr/>
+        <p:nvPr/>
+      </p:nvGrpSpPr>
+      <p:grpSpPr>
+        <a:xfrm>
+          <a:off x="0" y="0"/>
+          <a:ext cx="0" cy="0"/>
+          <a:chOff x="0" y="0"/>
+          <a:chExt cx="0" cy="0"/>
+        </a:xfrm>
+      </p:grpSpPr>
+      <p:sp>
+        <p:nvSpPr>
+          <p:cNvPr id="4" name="Title 3">
+            <a:extLst>
+              <a:ext uri="{FF2B5EF4-FFF2-40B4-BE49-F238E27FC236}">
+                <a16:creationId xmlns:a16="http://schemas.microsoft.com/office/drawing/2014/main" id="{36A59794-25F8-4891-B78A-8D30FD30E228}"/>
+              </a:ext>
+            </a:extLst>
+          </p:cNvPr>
+          <p:cNvSpPr>
+            <a:spLocks noGrp="1"/>
+          </p:cNvSpPr>
+          <p:nvPr>
+            <p:ph type="title"/>
+          </p:nvPr>
+        </p:nvSpPr>
+        <p:spPr/>
+        <p:txBody>
+          <a:bodyPr/>
+          <a:lstStyle/>
+          <a:p>
+            <a:r>
+              <a:rPr lang="en-US" dirty="0"/>
+              <a:t>Questions?</a:t>
+            </a:r>
+          </a:p>
+        </p:txBody>
+      </p:sp>
+    </p:spTree>
+    <p:extLst>
+      <p:ext uri="{BB962C8B-B14F-4D97-AF65-F5344CB8AC3E}">
+        <p14:creationId xmlns:p14="http://schemas.microsoft.com/office/powerpoint/2010/main" val="427073358"/>
       </p:ext>
     </p:extLst>
   </p:cSld>

--- a/intro-to-dash.pptx
+++ b/intro-to-dash.pptx
@@ -10,6 +10,7 @@
     <p:sldId id="258" r:id="rId4"/>
     <p:sldId id="259" r:id="rId5"/>
     <p:sldId id="260" r:id="rId6"/>
+    <p:sldId id="261" r:id="rId7"/>
   </p:sldIdLst>
   <p:sldSz cx="12192000" cy="6858000"/>
   <p:notesSz cx="6858000" cy="9144000"/>
@@ -108,6 +109,11 @@
       </a:defRPr>
     </a:lvl9pPr>
   </p:defaultTextStyle>
+  <p:extLst>
+    <p:ext uri="{EFAFB233-063F-42B5-8137-9DF3F51BA10A}">
+      <p15:sldGuideLst xmlns:p15="http://schemas.microsoft.com/office/powerpoint/2012/main"/>
+    </p:ext>
+  </p:extLst>
 </p:presentation>
 </file>
 
@@ -258,7 +264,7 @@
           <a:p>
             <a:fld id="{82EDB8D0-98ED-4B86-9D5F-E61ADC70144D}" type="datetimeFigureOut">
               <a:rPr lang="en-US" smtClean="0"/>
-              <a:t>3/1/2022</a:t>
+              <a:t>3/8/2022</a:t>
             </a:fld>
             <a:endParaRPr lang="en-US" dirty="0"/>
           </a:p>
@@ -673,7 +679,7 @@
           <a:p>
             <a:fld id="{82EDB8D0-98ED-4B86-9D5F-E61ADC70144D}" type="datetimeFigureOut">
               <a:rPr lang="en-US" smtClean="0"/>
-              <a:t>3/1/2022</a:t>
+              <a:t>3/8/2022</a:t>
             </a:fld>
             <a:endParaRPr lang="en-US"/>
           </a:p>
@@ -1165,7 +1171,7 @@
           <a:p>
             <a:fld id="{82EDB8D0-98ED-4B86-9D5F-E61ADC70144D}" type="datetimeFigureOut">
               <a:rPr lang="en-US" smtClean="0"/>
-              <a:t>3/1/2022</a:t>
+              <a:t>3/8/2022</a:t>
             </a:fld>
             <a:endParaRPr lang="en-US"/>
           </a:p>
@@ -1652,7 +1658,7 @@
           <a:p>
             <a:fld id="{82EDB8D0-98ED-4B86-9D5F-E61ADC70144D}" type="datetimeFigureOut">
               <a:rPr lang="en-US" smtClean="0"/>
-              <a:t>3/1/2022</a:t>
+              <a:t>3/8/2022</a:t>
             </a:fld>
             <a:endParaRPr lang="en-US" dirty="0"/>
           </a:p>
@@ -2421,7 +2427,7 @@
           <a:p>
             <a:fld id="{82EDB8D0-98ED-4B86-9D5F-E61ADC70144D}" type="datetimeFigureOut">
               <a:rPr lang="en-US" smtClean="0"/>
-              <a:t>3/1/2022</a:t>
+              <a:t>3/8/2022</a:t>
             </a:fld>
             <a:endParaRPr lang="en-US"/>
           </a:p>
@@ -2903,7 +2909,7 @@
           <a:p>
             <a:fld id="{82EDB8D0-98ED-4B86-9D5F-E61ADC70144D}" type="datetimeFigureOut">
               <a:rPr lang="en-US" smtClean="0"/>
-              <a:t>3/1/2022</a:t>
+              <a:t>3/8/2022</a:t>
             </a:fld>
             <a:endParaRPr lang="en-US"/>
           </a:p>
@@ -3599,7 +3605,7 @@
           <a:p>
             <a:fld id="{82EDB8D0-98ED-4B86-9D5F-E61ADC70144D}" type="datetimeFigureOut">
               <a:rPr lang="en-US" smtClean="0"/>
-              <a:t>3/1/2022</a:t>
+              <a:t>3/8/2022</a:t>
             </a:fld>
             <a:endParaRPr lang="en-US"/>
           </a:p>
@@ -4024,7 +4030,7 @@
           <a:p>
             <a:fld id="{82EDB8D0-98ED-4B86-9D5F-E61ADC70144D}" type="datetimeFigureOut">
               <a:rPr lang="en-US" smtClean="0"/>
-              <a:t>3/1/2022</a:t>
+              <a:t>3/8/2022</a:t>
             </a:fld>
             <a:endParaRPr lang="en-US"/>
           </a:p>
@@ -4421,7 +4427,7 @@
           <a:p>
             <a:fld id="{82EDB8D0-98ED-4B86-9D5F-E61ADC70144D}" type="datetimeFigureOut">
               <a:rPr lang="en-US" smtClean="0"/>
-              <a:t>3/1/2022</a:t>
+              <a:t>3/8/2022</a:t>
             </a:fld>
             <a:endParaRPr lang="en-US"/>
           </a:p>
@@ -5016,7 +5022,7 @@
           <a:p>
             <a:fld id="{82EDB8D0-98ED-4B86-9D5F-E61ADC70144D}" type="datetimeFigureOut">
               <a:rPr lang="en-US" smtClean="0"/>
-              <a:t>3/1/2022</a:t>
+              <a:t>3/8/2022</a:t>
             </a:fld>
             <a:endParaRPr lang="en-US"/>
           </a:p>
@@ -5591,7 +5597,7 @@
           <a:p>
             <a:fld id="{82EDB8D0-98ED-4B86-9D5F-E61ADC70144D}" type="datetimeFigureOut">
               <a:rPr lang="en-US" smtClean="0"/>
-              <a:t>3/1/2022</a:t>
+              <a:t>3/8/2022</a:t>
             </a:fld>
             <a:endParaRPr lang="en-US"/>
           </a:p>
@@ -6118,7 +6124,7 @@
             <a:fld id="{82EDB8D0-98ED-4B86-9D5F-E61ADC70144D}" type="datetimeFigureOut">
               <a:rPr lang="en-US" smtClean="0"/>
               <a:pPr/>
-              <a:t>3/1/2022</a:t>
+              <a:t>3/8/2022</a:t>
             </a:fld>
             <a:endParaRPr lang="en-US" dirty="0"/>
           </a:p>
@@ -7195,7 +7201,7 @@
           <a:p>
             <a:r>
               <a:rPr lang="en-US" dirty="0"/>
-              <a:t>Graduate of Northeastern University</a:t>
+              <a:t>Bachelors in Computer Engineering from Northeastern University</a:t>
             </a:r>
           </a:p>
           <a:p>
@@ -7536,6 +7542,123 @@
     <p:extLst>
       <p:ext uri="{BB962C8B-B14F-4D97-AF65-F5344CB8AC3E}">
         <p14:creationId xmlns:p14="http://schemas.microsoft.com/office/powerpoint/2010/main" val="427073358"/>
+      </p:ext>
+    </p:extLst>
+  </p:cSld>
+  <p:clrMapOvr>
+    <a:masterClrMapping/>
+  </p:clrMapOvr>
+</p:sld>
+</file>
+
+<file path=ppt/slides/slide6.xml><?xml version="1.0" encoding="utf-8"?>
+<p:sld xmlns:a="http://schemas.openxmlformats.org/drawingml/2006/main" xmlns:r="http://schemas.openxmlformats.org/officeDocument/2006/relationships" xmlns:p="http://schemas.openxmlformats.org/presentationml/2006/main">
+  <p:cSld>
+    <p:spTree>
+      <p:nvGrpSpPr>
+        <p:cNvPr id="1" name=""/>
+        <p:cNvGrpSpPr/>
+        <p:nvPr/>
+      </p:nvGrpSpPr>
+      <p:grpSpPr>
+        <a:xfrm>
+          <a:off x="0" y="0"/>
+          <a:ext cx="0" cy="0"/>
+          <a:chOff x="0" y="0"/>
+          <a:chExt cx="0" cy="0"/>
+        </a:xfrm>
+      </p:grpSpPr>
+      <p:sp>
+        <p:nvSpPr>
+          <p:cNvPr id="4" name="Title 3">
+            <a:extLst>
+              <a:ext uri="{FF2B5EF4-FFF2-40B4-BE49-F238E27FC236}">
+                <a16:creationId xmlns:a16="http://schemas.microsoft.com/office/drawing/2014/main" id="{00FB8B4B-49F2-448D-88D3-752CF6A9988D}"/>
+              </a:ext>
+            </a:extLst>
+          </p:cNvPr>
+          <p:cNvSpPr>
+            <a:spLocks noGrp="1"/>
+          </p:cNvSpPr>
+          <p:nvPr>
+            <p:ph type="title"/>
+          </p:nvPr>
+        </p:nvSpPr>
+        <p:spPr/>
+        <p:txBody>
+          <a:bodyPr/>
+          <a:lstStyle/>
+          <a:p>
+            <a:r>
+              <a:rPr lang="en-US" dirty="0"/>
+              <a:t>Additional Resources</a:t>
+            </a:r>
+          </a:p>
+        </p:txBody>
+      </p:sp>
+      <p:sp>
+        <p:nvSpPr>
+          <p:cNvPr id="5" name="Content Placeholder 4">
+            <a:extLst>
+              <a:ext uri="{FF2B5EF4-FFF2-40B4-BE49-F238E27FC236}">
+                <a16:creationId xmlns:a16="http://schemas.microsoft.com/office/drawing/2014/main" id="{DA2A9F48-49BC-4179-9599-5DC043CC8607}"/>
+              </a:ext>
+            </a:extLst>
+          </p:cNvPr>
+          <p:cNvSpPr>
+            <a:spLocks noGrp="1"/>
+          </p:cNvSpPr>
+          <p:nvPr>
+            <p:ph idx="1"/>
+          </p:nvPr>
+        </p:nvSpPr>
+        <p:spPr/>
+        <p:txBody>
+          <a:bodyPr/>
+          <a:lstStyle/>
+          <a:p>
+            <a:r>
+              <a:rPr lang="en-US" dirty="0"/>
+              <a:t>Dash documentation: </a:t>
+            </a:r>
+            <a:r>
+              <a:rPr lang="en-US" dirty="0">
+                <a:hlinkClick r:id="rId2"/>
+              </a:rPr>
+              <a:t>Part 1. Installation | Dash for Python Documentation | Plotly</a:t>
+            </a:r>
+            <a:endParaRPr lang="en-US" dirty="0"/>
+          </a:p>
+          <a:p>
+            <a:r>
+              <a:rPr lang="en-US" dirty="0" err="1">
+                <a:hlinkClick r:id="rId3"/>
+              </a:rPr>
+              <a:t>TigerGraph's</a:t>
+            </a:r>
+            <a:r>
+              <a:rPr lang="en-US" dirty="0">
+                <a:hlinkClick r:id="rId3"/>
+              </a:rPr>
+              <a:t> Dash Class — One-Stop-Shop for Creating Dashboards (tigergraph-devlabs.github.io)</a:t>
+            </a:r>
+            <a:endParaRPr lang="en-US" dirty="0"/>
+          </a:p>
+          <a:p>
+            <a:r>
+              <a:rPr lang="en-US" dirty="0">
+                <a:hlinkClick r:id="rId4"/>
+              </a:rPr>
+              <a:t>Develop Data Visualization Interfaces in Python With Dash – Real Python</a:t>
+            </a:r>
+            <a:endParaRPr lang="en-US" dirty="0"/>
+          </a:p>
+        </p:txBody>
+      </p:sp>
+    </p:spTree>
+    <p:extLst>
+      <p:ext uri="{BB962C8B-B14F-4D97-AF65-F5344CB8AC3E}">
+        <p14:creationId xmlns:p14="http://schemas.microsoft.com/office/powerpoint/2010/main" val="3764439139"/>
       </p:ext>
     </p:extLst>
   </p:cSld>
